--- a/Informacioni sistem cvećare.pptx
+++ b/Informacioni sistem cvećare.pptx
@@ -4829,7 +4829,25 @@
           <a:p>
             <a:r>
               <a:rPr lang="sr-Latn-RS" sz="1200" dirty="0"/>
-              <a:t>Finkcionisanje cvećare uživo i online je opisano putem alternativnih tokova slučajeva upotrebe</a:t>
+              <a:t>F</a:t>
+            </a:r>
+            <a:r>
+              <a:rPr lang="en-US" sz="1200" dirty="0"/>
+              <a:t>u</a:t>
+            </a:r>
+            <a:r>
+              <a:rPr lang="sr-Latn-RS" sz="1200" dirty="0"/>
+              <a:t>nkcionisanje cvećare uživo i online je opisano </a:t>
+            </a:r>
+            <a:endParaRPr lang="en-US" sz="1200" dirty="0"/>
+          </a:p>
+          <a:p>
+            <a:pPr marL="0" indent="0">
+              <a:buNone/>
+            </a:pPr>
+            <a:r>
+              <a:rPr lang="sr-Latn-RS" sz="1200" dirty="0"/>
+              <a:t>putem alternativnih tokova slučajeva upotrebe</a:t>
             </a:r>
           </a:p>
           <a:p>
@@ -4837,6 +4855,47 @@
           </a:p>
         </p:txBody>
       </p:sp>
+      <p:pic>
+        <p:nvPicPr>
+          <p:cNvPr id="5" name="Picture 4">
+            <a:extLst>
+              <a:ext uri="{FF2B5EF4-FFF2-40B4-BE49-F238E27FC236}">
+                <a16:creationId xmlns:a16="http://schemas.microsoft.com/office/drawing/2014/main" id="{8DB9AEF9-F11B-4D39-885C-1A276C645458}"/>
+              </a:ext>
+            </a:extLst>
+          </p:cNvPr>
+          <p:cNvPicPr>
+            <a:picLocks noChangeAspect="1"/>
+          </p:cNvPicPr>
+          <p:nvPr/>
+        </p:nvPicPr>
+        <p:blipFill>
+          <a:blip r:embed="rId2">
+            <a:extLst>
+              <a:ext uri="{28A0092B-C50C-407E-A947-70E740481C1C}">
+                <a14:useLocalDpi xmlns:a14="http://schemas.microsoft.com/office/drawing/2010/main" val="0"/>
+              </a:ext>
+            </a:extLst>
+          </a:blip>
+          <a:srcRect/>
+          <a:stretch>
+            <a:fillRect/>
+          </a:stretch>
+        </p:blipFill>
+        <p:spPr bwMode="auto">
+          <a:xfrm>
+            <a:off x="6241985" y="1390934"/>
+            <a:ext cx="4342852" cy="4076131"/>
+          </a:xfrm>
+          <a:prstGeom prst="rect">
+            <a:avLst/>
+          </a:prstGeom>
+          <a:noFill/>
+          <a:ln>
+            <a:noFill/>
+          </a:ln>
+        </p:spPr>
+      </p:pic>
     </p:spTree>
     <p:extLst>
       <p:ext uri="{BB962C8B-B14F-4D97-AF65-F5344CB8AC3E}">
